--- a/ppt 16-9/1293.草儿青！花儿.pptx
+++ b/ppt 16-9/1293.草儿青！花儿.pptx
@@ -129,7 +129,7 @@
           <p:cNvPr id="2" name="标题 1">
             <a:extLst>
               <a:ext uri="{FF2B5EF4-FFF2-40B4-BE49-F238E27FC236}">
-                <a16:creationId xmlns:a16="http://schemas.microsoft.com/office/drawing/2014/main" id="{DBB285BE-985D-7A00-8DAF-F9F582A731E7}"/>
+                <a16:creationId xmlns:a16="http://schemas.microsoft.com/office/drawing/2014/main" id="{17203BF8-4B12-BA18-FC67-D6D7C394F249}"/>
               </a:ext>
             </a:extLst>
           </p:cNvPr>
@@ -166,7 +166,7 @@
           <p:cNvPr id="3" name="副标题 2">
             <a:extLst>
               <a:ext uri="{FF2B5EF4-FFF2-40B4-BE49-F238E27FC236}">
-                <a16:creationId xmlns:a16="http://schemas.microsoft.com/office/drawing/2014/main" id="{092FAFF7-FA0A-BB88-48E2-C0822972E40F}"/>
+                <a16:creationId xmlns:a16="http://schemas.microsoft.com/office/drawing/2014/main" id="{7ECFB583-47DA-E75C-3411-2EF50A725774}"/>
               </a:ext>
             </a:extLst>
           </p:cNvPr>
@@ -236,7 +236,7 @@
           <p:cNvPr id="4" name="日期占位符 3">
             <a:extLst>
               <a:ext uri="{FF2B5EF4-FFF2-40B4-BE49-F238E27FC236}">
-                <a16:creationId xmlns:a16="http://schemas.microsoft.com/office/drawing/2014/main" id="{FA309F5A-BF43-2036-5F1F-0107F9BB4AAA}"/>
+                <a16:creationId xmlns:a16="http://schemas.microsoft.com/office/drawing/2014/main" id="{028F5277-24BF-238D-B0E3-FC14EDD52538}"/>
               </a:ext>
             </a:extLst>
           </p:cNvPr>
@@ -252,7 +252,7 @@
           <a:bodyPr/>
           <a:lstStyle/>
           <a:p>
-            <a:fld id="{6400B7BF-30C2-46D0-A51F-DCB9D809FFE0}" type="datetimeFigureOut">
+            <a:fld id="{5F7A0320-65F8-407F-A2E0-C1D694031AD0}" type="datetimeFigureOut">
               <a:rPr lang="zh-CN" altLang="en-US" smtClean="0"/>
               <a:t>2024/3/10</a:t>
             </a:fld>
@@ -265,7 +265,7 @@
           <p:cNvPr id="5" name="页脚占位符 4">
             <a:extLst>
               <a:ext uri="{FF2B5EF4-FFF2-40B4-BE49-F238E27FC236}">
-                <a16:creationId xmlns:a16="http://schemas.microsoft.com/office/drawing/2014/main" id="{DC128CB1-F84F-4FEE-3FE8-8985750A934D}"/>
+                <a16:creationId xmlns:a16="http://schemas.microsoft.com/office/drawing/2014/main" id="{011EEE4E-1C35-3A1B-E6C5-01E8838CDED7}"/>
               </a:ext>
             </a:extLst>
           </p:cNvPr>
@@ -290,7 +290,7 @@
           <p:cNvPr id="6" name="灯片编号占位符 5">
             <a:extLst>
               <a:ext uri="{FF2B5EF4-FFF2-40B4-BE49-F238E27FC236}">
-                <a16:creationId xmlns:a16="http://schemas.microsoft.com/office/drawing/2014/main" id="{12E84BE6-B475-87BD-C599-EB55C52AD433}"/>
+                <a16:creationId xmlns:a16="http://schemas.microsoft.com/office/drawing/2014/main" id="{946B0C74-84DE-675B-BCCC-674FFB636C7F}"/>
               </a:ext>
             </a:extLst>
           </p:cNvPr>
@@ -306,7 +306,7 @@
           <a:bodyPr/>
           <a:lstStyle/>
           <a:p>
-            <a:fld id="{EB315521-9136-40D3-AF0C-70FF3D39CE70}" type="slidenum">
+            <a:fld id="{DD0479E3-94B5-4E40-B6D8-965E3DADACB7}" type="slidenum">
               <a:rPr lang="zh-CN" altLang="en-US" smtClean="0"/>
               <a:t>‹#›</a:t>
             </a:fld>
@@ -317,7 +317,7 @@
     </p:spTree>
     <p:extLst>
       <p:ext uri="{BB962C8B-B14F-4D97-AF65-F5344CB8AC3E}">
-        <p14:creationId xmlns:p14="http://schemas.microsoft.com/office/powerpoint/2010/main" val="173384521"/>
+        <p14:creationId xmlns:p14="http://schemas.microsoft.com/office/powerpoint/2010/main" val="1120613842"/>
       </p:ext>
     </p:extLst>
   </p:cSld>
@@ -349,7 +349,7 @@
           <p:cNvPr id="2" name="标题 1">
             <a:extLst>
               <a:ext uri="{FF2B5EF4-FFF2-40B4-BE49-F238E27FC236}">
-                <a16:creationId xmlns:a16="http://schemas.microsoft.com/office/drawing/2014/main" id="{0A2E41B5-A48B-A068-2421-778EF39AA5AF}"/>
+                <a16:creationId xmlns:a16="http://schemas.microsoft.com/office/drawing/2014/main" id="{4B701578-F15C-ABD8-F8A1-19D0FA621670}"/>
               </a:ext>
             </a:extLst>
           </p:cNvPr>
@@ -377,7 +377,7 @@
           <p:cNvPr id="3" name="竖排文字占位符 2">
             <a:extLst>
               <a:ext uri="{FF2B5EF4-FFF2-40B4-BE49-F238E27FC236}">
-                <a16:creationId xmlns:a16="http://schemas.microsoft.com/office/drawing/2014/main" id="{B52D8FD3-DD21-9777-1D9C-813F78ABBC57}"/>
+                <a16:creationId xmlns:a16="http://schemas.microsoft.com/office/drawing/2014/main" id="{71CCA36A-1267-A7AE-0F95-6E808AA604AD}"/>
               </a:ext>
             </a:extLst>
           </p:cNvPr>
@@ -434,7 +434,7 @@
           <p:cNvPr id="4" name="日期占位符 3">
             <a:extLst>
               <a:ext uri="{FF2B5EF4-FFF2-40B4-BE49-F238E27FC236}">
-                <a16:creationId xmlns:a16="http://schemas.microsoft.com/office/drawing/2014/main" id="{4F7796E2-29AE-72BB-E86C-FEFA95FD9C6C}"/>
+                <a16:creationId xmlns:a16="http://schemas.microsoft.com/office/drawing/2014/main" id="{5A0FEA26-20DD-B3AD-E625-FD6835F5BAA4}"/>
               </a:ext>
             </a:extLst>
           </p:cNvPr>
@@ -450,7 +450,7 @@
           <a:bodyPr/>
           <a:lstStyle/>
           <a:p>
-            <a:fld id="{6400B7BF-30C2-46D0-A51F-DCB9D809FFE0}" type="datetimeFigureOut">
+            <a:fld id="{5F7A0320-65F8-407F-A2E0-C1D694031AD0}" type="datetimeFigureOut">
               <a:rPr lang="zh-CN" altLang="en-US" smtClean="0"/>
               <a:t>2024/3/10</a:t>
             </a:fld>
@@ -463,7 +463,7 @@
           <p:cNvPr id="5" name="页脚占位符 4">
             <a:extLst>
               <a:ext uri="{FF2B5EF4-FFF2-40B4-BE49-F238E27FC236}">
-                <a16:creationId xmlns:a16="http://schemas.microsoft.com/office/drawing/2014/main" id="{D1D229FC-2814-75FD-33A9-C1B7E60BB1BA}"/>
+                <a16:creationId xmlns:a16="http://schemas.microsoft.com/office/drawing/2014/main" id="{7EAC4788-C994-455C-3776-AD012436D977}"/>
               </a:ext>
             </a:extLst>
           </p:cNvPr>
@@ -488,7 +488,7 @@
           <p:cNvPr id="6" name="灯片编号占位符 5">
             <a:extLst>
               <a:ext uri="{FF2B5EF4-FFF2-40B4-BE49-F238E27FC236}">
-                <a16:creationId xmlns:a16="http://schemas.microsoft.com/office/drawing/2014/main" id="{2B0ADCB9-A353-ABC7-0B98-6719FB5D4EE9}"/>
+                <a16:creationId xmlns:a16="http://schemas.microsoft.com/office/drawing/2014/main" id="{4EF8CB5A-F9B1-4D15-0F9C-8A714ACFF7D7}"/>
               </a:ext>
             </a:extLst>
           </p:cNvPr>
@@ -504,7 +504,7 @@
           <a:bodyPr/>
           <a:lstStyle/>
           <a:p>
-            <a:fld id="{EB315521-9136-40D3-AF0C-70FF3D39CE70}" type="slidenum">
+            <a:fld id="{DD0479E3-94B5-4E40-B6D8-965E3DADACB7}" type="slidenum">
               <a:rPr lang="zh-CN" altLang="en-US" smtClean="0"/>
               <a:t>‹#›</a:t>
             </a:fld>
@@ -515,7 +515,7 @@
     </p:spTree>
     <p:extLst>
       <p:ext uri="{BB962C8B-B14F-4D97-AF65-F5344CB8AC3E}">
-        <p14:creationId xmlns:p14="http://schemas.microsoft.com/office/powerpoint/2010/main" val="2150421679"/>
+        <p14:creationId xmlns:p14="http://schemas.microsoft.com/office/powerpoint/2010/main" val="640588301"/>
       </p:ext>
     </p:extLst>
   </p:cSld>
@@ -547,7 +547,7 @@
           <p:cNvPr id="2" name="竖排标题 1">
             <a:extLst>
               <a:ext uri="{FF2B5EF4-FFF2-40B4-BE49-F238E27FC236}">
-                <a16:creationId xmlns:a16="http://schemas.microsoft.com/office/drawing/2014/main" id="{F7AFCCAF-6F45-2FBB-3AD2-BD150A068B81}"/>
+                <a16:creationId xmlns:a16="http://schemas.microsoft.com/office/drawing/2014/main" id="{D4F91564-F5DC-9D51-92E4-234AFC9B7D4A}"/>
               </a:ext>
             </a:extLst>
           </p:cNvPr>
@@ -580,7 +580,7 @@
           <p:cNvPr id="3" name="竖排文字占位符 2">
             <a:extLst>
               <a:ext uri="{FF2B5EF4-FFF2-40B4-BE49-F238E27FC236}">
-                <a16:creationId xmlns:a16="http://schemas.microsoft.com/office/drawing/2014/main" id="{64BA7FB4-63B8-AC84-FFBD-5FFE6EE226D2}"/>
+                <a16:creationId xmlns:a16="http://schemas.microsoft.com/office/drawing/2014/main" id="{1DD2B70C-30CC-B6E9-0F05-6B01662B0DFF}"/>
               </a:ext>
             </a:extLst>
           </p:cNvPr>
@@ -642,7 +642,7 @@
           <p:cNvPr id="4" name="日期占位符 3">
             <a:extLst>
               <a:ext uri="{FF2B5EF4-FFF2-40B4-BE49-F238E27FC236}">
-                <a16:creationId xmlns:a16="http://schemas.microsoft.com/office/drawing/2014/main" id="{F046816A-6A26-F686-AF2B-98B5E0AD9C94}"/>
+                <a16:creationId xmlns:a16="http://schemas.microsoft.com/office/drawing/2014/main" id="{F085A4AD-F356-3159-E412-DC5DEB7E2192}"/>
               </a:ext>
             </a:extLst>
           </p:cNvPr>
@@ -658,7 +658,7 @@
           <a:bodyPr/>
           <a:lstStyle/>
           <a:p>
-            <a:fld id="{6400B7BF-30C2-46D0-A51F-DCB9D809FFE0}" type="datetimeFigureOut">
+            <a:fld id="{5F7A0320-65F8-407F-A2E0-C1D694031AD0}" type="datetimeFigureOut">
               <a:rPr lang="zh-CN" altLang="en-US" smtClean="0"/>
               <a:t>2024/3/10</a:t>
             </a:fld>
@@ -671,7 +671,7 @@
           <p:cNvPr id="5" name="页脚占位符 4">
             <a:extLst>
               <a:ext uri="{FF2B5EF4-FFF2-40B4-BE49-F238E27FC236}">
-                <a16:creationId xmlns:a16="http://schemas.microsoft.com/office/drawing/2014/main" id="{797DC917-C441-3588-1766-B0692939E8B8}"/>
+                <a16:creationId xmlns:a16="http://schemas.microsoft.com/office/drawing/2014/main" id="{F2E33CF0-7DA0-542E-9FB5-EFD9825C008E}"/>
               </a:ext>
             </a:extLst>
           </p:cNvPr>
@@ -696,7 +696,7 @@
           <p:cNvPr id="6" name="灯片编号占位符 5">
             <a:extLst>
               <a:ext uri="{FF2B5EF4-FFF2-40B4-BE49-F238E27FC236}">
-                <a16:creationId xmlns:a16="http://schemas.microsoft.com/office/drawing/2014/main" id="{A147BFB4-184F-3FCD-C2E8-B82FBF98063D}"/>
+                <a16:creationId xmlns:a16="http://schemas.microsoft.com/office/drawing/2014/main" id="{72B4CAD6-F36E-9287-E5F4-0D9DE6A1678D}"/>
               </a:ext>
             </a:extLst>
           </p:cNvPr>
@@ -712,7 +712,7 @@
           <a:bodyPr/>
           <a:lstStyle/>
           <a:p>
-            <a:fld id="{EB315521-9136-40D3-AF0C-70FF3D39CE70}" type="slidenum">
+            <a:fld id="{DD0479E3-94B5-4E40-B6D8-965E3DADACB7}" type="slidenum">
               <a:rPr lang="zh-CN" altLang="en-US" smtClean="0"/>
               <a:t>‹#›</a:t>
             </a:fld>
@@ -723,7 +723,7 @@
     </p:spTree>
     <p:extLst>
       <p:ext uri="{BB962C8B-B14F-4D97-AF65-F5344CB8AC3E}">
-        <p14:creationId xmlns:p14="http://schemas.microsoft.com/office/powerpoint/2010/main" val="4111686007"/>
+        <p14:creationId xmlns:p14="http://schemas.microsoft.com/office/powerpoint/2010/main" val="2037241391"/>
       </p:ext>
     </p:extLst>
   </p:cSld>
@@ -755,7 +755,7 @@
           <p:cNvPr id="2" name="标题 1">
             <a:extLst>
               <a:ext uri="{FF2B5EF4-FFF2-40B4-BE49-F238E27FC236}">
-                <a16:creationId xmlns:a16="http://schemas.microsoft.com/office/drawing/2014/main" id="{239FD4C2-4C89-DFD3-9EB6-58D05FE51AFF}"/>
+                <a16:creationId xmlns:a16="http://schemas.microsoft.com/office/drawing/2014/main" id="{BEC18B42-5A47-44CB-6EAF-3DB6F5A09349}"/>
               </a:ext>
             </a:extLst>
           </p:cNvPr>
@@ -783,7 +783,7 @@
           <p:cNvPr id="3" name="内容占位符 2">
             <a:extLst>
               <a:ext uri="{FF2B5EF4-FFF2-40B4-BE49-F238E27FC236}">
-                <a16:creationId xmlns:a16="http://schemas.microsoft.com/office/drawing/2014/main" id="{23F5C4BA-6B36-27CC-D6ED-9B4C833B1A06}"/>
+                <a16:creationId xmlns:a16="http://schemas.microsoft.com/office/drawing/2014/main" id="{491F8D77-40DA-22ED-876C-95B324203A63}"/>
               </a:ext>
             </a:extLst>
           </p:cNvPr>
@@ -840,7 +840,7 @@
           <p:cNvPr id="4" name="日期占位符 3">
             <a:extLst>
               <a:ext uri="{FF2B5EF4-FFF2-40B4-BE49-F238E27FC236}">
-                <a16:creationId xmlns:a16="http://schemas.microsoft.com/office/drawing/2014/main" id="{D5C72160-F0A7-E89F-8FDB-E156F25DB803}"/>
+                <a16:creationId xmlns:a16="http://schemas.microsoft.com/office/drawing/2014/main" id="{CF057D4F-1F52-E908-17C7-578CE6F362A0}"/>
               </a:ext>
             </a:extLst>
           </p:cNvPr>
@@ -856,7 +856,7 @@
           <a:bodyPr/>
           <a:lstStyle/>
           <a:p>
-            <a:fld id="{6400B7BF-30C2-46D0-A51F-DCB9D809FFE0}" type="datetimeFigureOut">
+            <a:fld id="{5F7A0320-65F8-407F-A2E0-C1D694031AD0}" type="datetimeFigureOut">
               <a:rPr lang="zh-CN" altLang="en-US" smtClean="0"/>
               <a:t>2024/3/10</a:t>
             </a:fld>
@@ -869,7 +869,7 @@
           <p:cNvPr id="5" name="页脚占位符 4">
             <a:extLst>
               <a:ext uri="{FF2B5EF4-FFF2-40B4-BE49-F238E27FC236}">
-                <a16:creationId xmlns:a16="http://schemas.microsoft.com/office/drawing/2014/main" id="{8D0ECD3B-05EF-8B12-F7E1-63924B684E3B}"/>
+                <a16:creationId xmlns:a16="http://schemas.microsoft.com/office/drawing/2014/main" id="{EA689D4F-9AE7-A85E-90C2-A7268C3D09FD}"/>
               </a:ext>
             </a:extLst>
           </p:cNvPr>
@@ -894,7 +894,7 @@
           <p:cNvPr id="6" name="灯片编号占位符 5">
             <a:extLst>
               <a:ext uri="{FF2B5EF4-FFF2-40B4-BE49-F238E27FC236}">
-                <a16:creationId xmlns:a16="http://schemas.microsoft.com/office/drawing/2014/main" id="{2FDA1A3E-200E-ACB7-DAEC-865B1938A1BE}"/>
+                <a16:creationId xmlns:a16="http://schemas.microsoft.com/office/drawing/2014/main" id="{BE3F14C2-72C7-7DD5-051A-6C7435142E1F}"/>
               </a:ext>
             </a:extLst>
           </p:cNvPr>
@@ -910,7 +910,7 @@
           <a:bodyPr/>
           <a:lstStyle/>
           <a:p>
-            <a:fld id="{EB315521-9136-40D3-AF0C-70FF3D39CE70}" type="slidenum">
+            <a:fld id="{DD0479E3-94B5-4E40-B6D8-965E3DADACB7}" type="slidenum">
               <a:rPr lang="zh-CN" altLang="en-US" smtClean="0"/>
               <a:t>‹#›</a:t>
             </a:fld>
@@ -921,7 +921,7 @@
     </p:spTree>
     <p:extLst>
       <p:ext uri="{BB962C8B-B14F-4D97-AF65-F5344CB8AC3E}">
-        <p14:creationId xmlns:p14="http://schemas.microsoft.com/office/powerpoint/2010/main" val="2783297712"/>
+        <p14:creationId xmlns:p14="http://schemas.microsoft.com/office/powerpoint/2010/main" val="4279780756"/>
       </p:ext>
     </p:extLst>
   </p:cSld>
@@ -953,7 +953,7 @@
           <p:cNvPr id="2" name="标题 1">
             <a:extLst>
               <a:ext uri="{FF2B5EF4-FFF2-40B4-BE49-F238E27FC236}">
-                <a16:creationId xmlns:a16="http://schemas.microsoft.com/office/drawing/2014/main" id="{A89F0F2F-098A-B94D-AF76-E4C3BE8B7E18}"/>
+                <a16:creationId xmlns:a16="http://schemas.microsoft.com/office/drawing/2014/main" id="{82107829-347B-53F9-58DF-C6C0CD75D33B}"/>
               </a:ext>
             </a:extLst>
           </p:cNvPr>
@@ -990,7 +990,7 @@
           <p:cNvPr id="3" name="文本占位符 2">
             <a:extLst>
               <a:ext uri="{FF2B5EF4-FFF2-40B4-BE49-F238E27FC236}">
-                <a16:creationId xmlns:a16="http://schemas.microsoft.com/office/drawing/2014/main" id="{7EBA4591-D7C7-52FE-FA3F-9861FC0A905B}"/>
+                <a16:creationId xmlns:a16="http://schemas.microsoft.com/office/drawing/2014/main" id="{10C7F5C7-50C6-790F-8680-6DC0250F5562}"/>
               </a:ext>
             </a:extLst>
           </p:cNvPr>
@@ -1115,7 +1115,7 @@
           <p:cNvPr id="4" name="日期占位符 3">
             <a:extLst>
               <a:ext uri="{FF2B5EF4-FFF2-40B4-BE49-F238E27FC236}">
-                <a16:creationId xmlns:a16="http://schemas.microsoft.com/office/drawing/2014/main" id="{EDB63466-1F16-240C-028E-6355507B437F}"/>
+                <a16:creationId xmlns:a16="http://schemas.microsoft.com/office/drawing/2014/main" id="{FC5D135D-2A42-F747-F06C-BF7860A610E8}"/>
               </a:ext>
             </a:extLst>
           </p:cNvPr>
@@ -1131,7 +1131,7 @@
           <a:bodyPr/>
           <a:lstStyle/>
           <a:p>
-            <a:fld id="{6400B7BF-30C2-46D0-A51F-DCB9D809FFE0}" type="datetimeFigureOut">
+            <a:fld id="{5F7A0320-65F8-407F-A2E0-C1D694031AD0}" type="datetimeFigureOut">
               <a:rPr lang="zh-CN" altLang="en-US" smtClean="0"/>
               <a:t>2024/3/10</a:t>
             </a:fld>
@@ -1144,7 +1144,7 @@
           <p:cNvPr id="5" name="页脚占位符 4">
             <a:extLst>
               <a:ext uri="{FF2B5EF4-FFF2-40B4-BE49-F238E27FC236}">
-                <a16:creationId xmlns:a16="http://schemas.microsoft.com/office/drawing/2014/main" id="{854F31C5-DFDF-D781-793A-0F8BA6C84562}"/>
+                <a16:creationId xmlns:a16="http://schemas.microsoft.com/office/drawing/2014/main" id="{7384989F-2EF0-4EB8-EFF4-B9D33CB4C3CD}"/>
               </a:ext>
             </a:extLst>
           </p:cNvPr>
@@ -1169,7 +1169,7 @@
           <p:cNvPr id="6" name="灯片编号占位符 5">
             <a:extLst>
               <a:ext uri="{FF2B5EF4-FFF2-40B4-BE49-F238E27FC236}">
-                <a16:creationId xmlns:a16="http://schemas.microsoft.com/office/drawing/2014/main" id="{3CA29513-C56F-8858-BCE5-F584EE70A452}"/>
+                <a16:creationId xmlns:a16="http://schemas.microsoft.com/office/drawing/2014/main" id="{F4E942E5-54FC-0ADD-01CD-764D725E80B1}"/>
               </a:ext>
             </a:extLst>
           </p:cNvPr>
@@ -1185,7 +1185,7 @@
           <a:bodyPr/>
           <a:lstStyle/>
           <a:p>
-            <a:fld id="{EB315521-9136-40D3-AF0C-70FF3D39CE70}" type="slidenum">
+            <a:fld id="{DD0479E3-94B5-4E40-B6D8-965E3DADACB7}" type="slidenum">
               <a:rPr lang="zh-CN" altLang="en-US" smtClean="0"/>
               <a:t>‹#›</a:t>
             </a:fld>
@@ -1196,7 +1196,7 @@
     </p:spTree>
     <p:extLst>
       <p:ext uri="{BB962C8B-B14F-4D97-AF65-F5344CB8AC3E}">
-        <p14:creationId xmlns:p14="http://schemas.microsoft.com/office/powerpoint/2010/main" val="2541742622"/>
+        <p14:creationId xmlns:p14="http://schemas.microsoft.com/office/powerpoint/2010/main" val="3356750093"/>
       </p:ext>
     </p:extLst>
   </p:cSld>
@@ -1228,7 +1228,7 @@
           <p:cNvPr id="2" name="标题 1">
             <a:extLst>
               <a:ext uri="{FF2B5EF4-FFF2-40B4-BE49-F238E27FC236}">
-                <a16:creationId xmlns:a16="http://schemas.microsoft.com/office/drawing/2014/main" id="{85DDAA61-7DD0-E7A5-8953-B6757AEAE18D}"/>
+                <a16:creationId xmlns:a16="http://schemas.microsoft.com/office/drawing/2014/main" id="{CB3BF605-A5B1-F5D6-B331-EC0B28B1C086}"/>
               </a:ext>
             </a:extLst>
           </p:cNvPr>
@@ -1256,7 +1256,7 @@
           <p:cNvPr id="3" name="内容占位符 2">
             <a:extLst>
               <a:ext uri="{FF2B5EF4-FFF2-40B4-BE49-F238E27FC236}">
-                <a16:creationId xmlns:a16="http://schemas.microsoft.com/office/drawing/2014/main" id="{2CEC0E56-8326-969D-82D4-A7A27C93F93C}"/>
+                <a16:creationId xmlns:a16="http://schemas.microsoft.com/office/drawing/2014/main" id="{EFE312F4-14D5-5548-CDC9-46A9DEEC32D4}"/>
               </a:ext>
             </a:extLst>
           </p:cNvPr>
@@ -1318,7 +1318,7 @@
           <p:cNvPr id="4" name="内容占位符 3">
             <a:extLst>
               <a:ext uri="{FF2B5EF4-FFF2-40B4-BE49-F238E27FC236}">
-                <a16:creationId xmlns:a16="http://schemas.microsoft.com/office/drawing/2014/main" id="{A50A596C-C819-9ACF-5CA6-F5CC886BE4A0}"/>
+                <a16:creationId xmlns:a16="http://schemas.microsoft.com/office/drawing/2014/main" id="{36F62D69-4E4B-0D5B-0F7C-B963E02D1FBC}"/>
               </a:ext>
             </a:extLst>
           </p:cNvPr>
@@ -1380,7 +1380,7 @@
           <p:cNvPr id="5" name="日期占位符 4">
             <a:extLst>
               <a:ext uri="{FF2B5EF4-FFF2-40B4-BE49-F238E27FC236}">
-                <a16:creationId xmlns:a16="http://schemas.microsoft.com/office/drawing/2014/main" id="{B55F1C47-94AA-0D82-5804-CFB1BD1375FB}"/>
+                <a16:creationId xmlns:a16="http://schemas.microsoft.com/office/drawing/2014/main" id="{509B3463-BFA7-ACF0-696E-69CCC5623352}"/>
               </a:ext>
             </a:extLst>
           </p:cNvPr>
@@ -1396,7 +1396,7 @@
           <a:bodyPr/>
           <a:lstStyle/>
           <a:p>
-            <a:fld id="{6400B7BF-30C2-46D0-A51F-DCB9D809FFE0}" type="datetimeFigureOut">
+            <a:fld id="{5F7A0320-65F8-407F-A2E0-C1D694031AD0}" type="datetimeFigureOut">
               <a:rPr lang="zh-CN" altLang="en-US" smtClean="0"/>
               <a:t>2024/3/10</a:t>
             </a:fld>
@@ -1409,7 +1409,7 @@
           <p:cNvPr id="6" name="页脚占位符 5">
             <a:extLst>
               <a:ext uri="{FF2B5EF4-FFF2-40B4-BE49-F238E27FC236}">
-                <a16:creationId xmlns:a16="http://schemas.microsoft.com/office/drawing/2014/main" id="{7C304BB0-68B0-A86C-0211-48C87A5FBDDB}"/>
+                <a16:creationId xmlns:a16="http://schemas.microsoft.com/office/drawing/2014/main" id="{255ED33C-D912-D1DF-A0A7-51CF33CDF45B}"/>
               </a:ext>
             </a:extLst>
           </p:cNvPr>
@@ -1434,7 +1434,7 @@
           <p:cNvPr id="7" name="灯片编号占位符 6">
             <a:extLst>
               <a:ext uri="{FF2B5EF4-FFF2-40B4-BE49-F238E27FC236}">
-                <a16:creationId xmlns:a16="http://schemas.microsoft.com/office/drawing/2014/main" id="{83F2DD58-FA60-434F-2B73-DCCDD13C58B8}"/>
+                <a16:creationId xmlns:a16="http://schemas.microsoft.com/office/drawing/2014/main" id="{406135B6-0001-9DD9-AABD-BE3737F9F3E9}"/>
               </a:ext>
             </a:extLst>
           </p:cNvPr>
@@ -1450,7 +1450,7 @@
           <a:bodyPr/>
           <a:lstStyle/>
           <a:p>
-            <a:fld id="{EB315521-9136-40D3-AF0C-70FF3D39CE70}" type="slidenum">
+            <a:fld id="{DD0479E3-94B5-4E40-B6D8-965E3DADACB7}" type="slidenum">
               <a:rPr lang="zh-CN" altLang="en-US" smtClean="0"/>
               <a:t>‹#›</a:t>
             </a:fld>
@@ -1461,7 +1461,7 @@
     </p:spTree>
     <p:extLst>
       <p:ext uri="{BB962C8B-B14F-4D97-AF65-F5344CB8AC3E}">
-        <p14:creationId xmlns:p14="http://schemas.microsoft.com/office/powerpoint/2010/main" val="617052448"/>
+        <p14:creationId xmlns:p14="http://schemas.microsoft.com/office/powerpoint/2010/main" val="3178494331"/>
       </p:ext>
     </p:extLst>
   </p:cSld>
@@ -1493,7 +1493,7 @@
           <p:cNvPr id="2" name="标题 1">
             <a:extLst>
               <a:ext uri="{FF2B5EF4-FFF2-40B4-BE49-F238E27FC236}">
-                <a16:creationId xmlns:a16="http://schemas.microsoft.com/office/drawing/2014/main" id="{AC27E5B1-EB28-8110-C4B1-B66502551C30}"/>
+                <a16:creationId xmlns:a16="http://schemas.microsoft.com/office/drawing/2014/main" id="{00625DE7-DDBB-C026-F0B8-0F7A89AE9954}"/>
               </a:ext>
             </a:extLst>
           </p:cNvPr>
@@ -1526,7 +1526,7 @@
           <p:cNvPr id="3" name="文本占位符 2">
             <a:extLst>
               <a:ext uri="{FF2B5EF4-FFF2-40B4-BE49-F238E27FC236}">
-                <a16:creationId xmlns:a16="http://schemas.microsoft.com/office/drawing/2014/main" id="{7FD4B5BF-571E-1B80-F308-DD1E721CDD1C}"/>
+                <a16:creationId xmlns:a16="http://schemas.microsoft.com/office/drawing/2014/main" id="{47E9FC64-5BA9-11F4-CEC4-55DF729CD822}"/>
               </a:ext>
             </a:extLst>
           </p:cNvPr>
@@ -1597,7 +1597,7 @@
           <p:cNvPr id="4" name="内容占位符 3">
             <a:extLst>
               <a:ext uri="{FF2B5EF4-FFF2-40B4-BE49-F238E27FC236}">
-                <a16:creationId xmlns:a16="http://schemas.microsoft.com/office/drawing/2014/main" id="{C2FF1B0D-EC62-D575-1374-D4C4148DF3B5}"/>
+                <a16:creationId xmlns:a16="http://schemas.microsoft.com/office/drawing/2014/main" id="{471C6200-A0CC-8FAE-5944-6D36C5A54D85}"/>
               </a:ext>
             </a:extLst>
           </p:cNvPr>
@@ -1659,7 +1659,7 @@
           <p:cNvPr id="5" name="文本占位符 4">
             <a:extLst>
               <a:ext uri="{FF2B5EF4-FFF2-40B4-BE49-F238E27FC236}">
-                <a16:creationId xmlns:a16="http://schemas.microsoft.com/office/drawing/2014/main" id="{8DD30010-0222-2156-60F6-7E272C42A77B}"/>
+                <a16:creationId xmlns:a16="http://schemas.microsoft.com/office/drawing/2014/main" id="{D799A0F4-84C0-69E6-82A1-D9B6BA0560A6}"/>
               </a:ext>
             </a:extLst>
           </p:cNvPr>
@@ -1730,7 +1730,7 @@
           <p:cNvPr id="6" name="内容占位符 5">
             <a:extLst>
               <a:ext uri="{FF2B5EF4-FFF2-40B4-BE49-F238E27FC236}">
-                <a16:creationId xmlns:a16="http://schemas.microsoft.com/office/drawing/2014/main" id="{718290B0-D34E-AC70-F986-FDEE177912AC}"/>
+                <a16:creationId xmlns:a16="http://schemas.microsoft.com/office/drawing/2014/main" id="{B5D13B93-7C1C-0145-A760-C9449BA95C04}"/>
               </a:ext>
             </a:extLst>
           </p:cNvPr>
@@ -1792,7 +1792,7 @@
           <p:cNvPr id="7" name="日期占位符 6">
             <a:extLst>
               <a:ext uri="{FF2B5EF4-FFF2-40B4-BE49-F238E27FC236}">
-                <a16:creationId xmlns:a16="http://schemas.microsoft.com/office/drawing/2014/main" id="{E5835988-B648-FBB2-7AA9-050E1F7CE3F2}"/>
+                <a16:creationId xmlns:a16="http://schemas.microsoft.com/office/drawing/2014/main" id="{E8CFAC49-3307-319F-7A23-CDB4CDAFB381}"/>
               </a:ext>
             </a:extLst>
           </p:cNvPr>
@@ -1808,7 +1808,7 @@
           <a:bodyPr/>
           <a:lstStyle/>
           <a:p>
-            <a:fld id="{6400B7BF-30C2-46D0-A51F-DCB9D809FFE0}" type="datetimeFigureOut">
+            <a:fld id="{5F7A0320-65F8-407F-A2E0-C1D694031AD0}" type="datetimeFigureOut">
               <a:rPr lang="zh-CN" altLang="en-US" smtClean="0"/>
               <a:t>2024/3/10</a:t>
             </a:fld>
@@ -1821,7 +1821,7 @@
           <p:cNvPr id="8" name="页脚占位符 7">
             <a:extLst>
               <a:ext uri="{FF2B5EF4-FFF2-40B4-BE49-F238E27FC236}">
-                <a16:creationId xmlns:a16="http://schemas.microsoft.com/office/drawing/2014/main" id="{D506297A-EB71-CA20-BA0B-3FEE9A6E4AB7}"/>
+                <a16:creationId xmlns:a16="http://schemas.microsoft.com/office/drawing/2014/main" id="{83D07241-6F2A-D855-45AD-DEC5A8A360E3}"/>
               </a:ext>
             </a:extLst>
           </p:cNvPr>
@@ -1846,7 +1846,7 @@
           <p:cNvPr id="9" name="灯片编号占位符 8">
             <a:extLst>
               <a:ext uri="{FF2B5EF4-FFF2-40B4-BE49-F238E27FC236}">
-                <a16:creationId xmlns:a16="http://schemas.microsoft.com/office/drawing/2014/main" id="{BACF159D-A01F-9E3F-BF82-61850513082F}"/>
+                <a16:creationId xmlns:a16="http://schemas.microsoft.com/office/drawing/2014/main" id="{136B711B-0863-7150-6C23-0A456835C230}"/>
               </a:ext>
             </a:extLst>
           </p:cNvPr>
@@ -1862,7 +1862,7 @@
           <a:bodyPr/>
           <a:lstStyle/>
           <a:p>
-            <a:fld id="{EB315521-9136-40D3-AF0C-70FF3D39CE70}" type="slidenum">
+            <a:fld id="{DD0479E3-94B5-4E40-B6D8-965E3DADACB7}" type="slidenum">
               <a:rPr lang="zh-CN" altLang="en-US" smtClean="0"/>
               <a:t>‹#›</a:t>
             </a:fld>
@@ -1873,7 +1873,7 @@
     </p:spTree>
     <p:extLst>
       <p:ext uri="{BB962C8B-B14F-4D97-AF65-F5344CB8AC3E}">
-        <p14:creationId xmlns:p14="http://schemas.microsoft.com/office/powerpoint/2010/main" val="3373125470"/>
+        <p14:creationId xmlns:p14="http://schemas.microsoft.com/office/powerpoint/2010/main" val="2250422452"/>
       </p:ext>
     </p:extLst>
   </p:cSld>
@@ -1905,7 +1905,7 @@
           <p:cNvPr id="2" name="标题 1">
             <a:extLst>
               <a:ext uri="{FF2B5EF4-FFF2-40B4-BE49-F238E27FC236}">
-                <a16:creationId xmlns:a16="http://schemas.microsoft.com/office/drawing/2014/main" id="{4C0D930E-EFD4-7E46-DA45-2FC506066C77}"/>
+                <a16:creationId xmlns:a16="http://schemas.microsoft.com/office/drawing/2014/main" id="{BE445FBC-0D1F-BFF8-BC7B-250B00F50CB2}"/>
               </a:ext>
             </a:extLst>
           </p:cNvPr>
@@ -1933,7 +1933,7 @@
           <p:cNvPr id="3" name="日期占位符 2">
             <a:extLst>
               <a:ext uri="{FF2B5EF4-FFF2-40B4-BE49-F238E27FC236}">
-                <a16:creationId xmlns:a16="http://schemas.microsoft.com/office/drawing/2014/main" id="{E86A4648-4DDC-D71E-BFEE-F986B87A95A9}"/>
+                <a16:creationId xmlns:a16="http://schemas.microsoft.com/office/drawing/2014/main" id="{AFC478A8-B5BD-D19B-AF93-89E8DA477D0A}"/>
               </a:ext>
             </a:extLst>
           </p:cNvPr>
@@ -1949,7 +1949,7 @@
           <a:bodyPr/>
           <a:lstStyle/>
           <a:p>
-            <a:fld id="{6400B7BF-30C2-46D0-A51F-DCB9D809FFE0}" type="datetimeFigureOut">
+            <a:fld id="{5F7A0320-65F8-407F-A2E0-C1D694031AD0}" type="datetimeFigureOut">
               <a:rPr lang="zh-CN" altLang="en-US" smtClean="0"/>
               <a:t>2024/3/10</a:t>
             </a:fld>
@@ -1962,7 +1962,7 @@
           <p:cNvPr id="4" name="页脚占位符 3">
             <a:extLst>
               <a:ext uri="{FF2B5EF4-FFF2-40B4-BE49-F238E27FC236}">
-                <a16:creationId xmlns:a16="http://schemas.microsoft.com/office/drawing/2014/main" id="{89749377-4FA3-6EC9-8DDC-D23D9ECFA4F2}"/>
+                <a16:creationId xmlns:a16="http://schemas.microsoft.com/office/drawing/2014/main" id="{738E902F-BA56-CA0E-6910-5ECAEEE7AF6C}"/>
               </a:ext>
             </a:extLst>
           </p:cNvPr>
@@ -1987,7 +1987,7 @@
           <p:cNvPr id="5" name="灯片编号占位符 4">
             <a:extLst>
               <a:ext uri="{FF2B5EF4-FFF2-40B4-BE49-F238E27FC236}">
-                <a16:creationId xmlns:a16="http://schemas.microsoft.com/office/drawing/2014/main" id="{A27C4CB1-0870-2DDC-E818-5E54C3A42FFB}"/>
+                <a16:creationId xmlns:a16="http://schemas.microsoft.com/office/drawing/2014/main" id="{9D6E1DA5-50E3-6E07-CAD8-DF756DA6E64B}"/>
               </a:ext>
             </a:extLst>
           </p:cNvPr>
@@ -2003,7 +2003,7 @@
           <a:bodyPr/>
           <a:lstStyle/>
           <a:p>
-            <a:fld id="{EB315521-9136-40D3-AF0C-70FF3D39CE70}" type="slidenum">
+            <a:fld id="{DD0479E3-94B5-4E40-B6D8-965E3DADACB7}" type="slidenum">
               <a:rPr lang="zh-CN" altLang="en-US" smtClean="0"/>
               <a:t>‹#›</a:t>
             </a:fld>
@@ -2014,7 +2014,7 @@
     </p:spTree>
     <p:extLst>
       <p:ext uri="{BB962C8B-B14F-4D97-AF65-F5344CB8AC3E}">
-        <p14:creationId xmlns:p14="http://schemas.microsoft.com/office/powerpoint/2010/main" val="2076247851"/>
+        <p14:creationId xmlns:p14="http://schemas.microsoft.com/office/powerpoint/2010/main" val="349901130"/>
       </p:ext>
     </p:extLst>
   </p:cSld>
@@ -2046,7 +2046,7 @@
           <p:cNvPr id="2" name="日期占位符 1">
             <a:extLst>
               <a:ext uri="{FF2B5EF4-FFF2-40B4-BE49-F238E27FC236}">
-                <a16:creationId xmlns:a16="http://schemas.microsoft.com/office/drawing/2014/main" id="{2FA97361-A71C-D84B-5FB8-F58389A74B0B}"/>
+                <a16:creationId xmlns:a16="http://schemas.microsoft.com/office/drawing/2014/main" id="{B32012EF-7922-AD58-0E71-686FDD7A3360}"/>
               </a:ext>
             </a:extLst>
           </p:cNvPr>
@@ -2062,7 +2062,7 @@
           <a:bodyPr/>
           <a:lstStyle/>
           <a:p>
-            <a:fld id="{6400B7BF-30C2-46D0-A51F-DCB9D809FFE0}" type="datetimeFigureOut">
+            <a:fld id="{5F7A0320-65F8-407F-A2E0-C1D694031AD0}" type="datetimeFigureOut">
               <a:rPr lang="zh-CN" altLang="en-US" smtClean="0"/>
               <a:t>2024/3/10</a:t>
             </a:fld>
@@ -2075,7 +2075,7 @@
           <p:cNvPr id="3" name="页脚占位符 2">
             <a:extLst>
               <a:ext uri="{FF2B5EF4-FFF2-40B4-BE49-F238E27FC236}">
-                <a16:creationId xmlns:a16="http://schemas.microsoft.com/office/drawing/2014/main" id="{362B2247-2E3F-AA91-85B0-FB1137F67570}"/>
+                <a16:creationId xmlns:a16="http://schemas.microsoft.com/office/drawing/2014/main" id="{1BB236C4-E6A2-8C1F-9E4C-E5EAB619F98F}"/>
               </a:ext>
             </a:extLst>
           </p:cNvPr>
@@ -2100,7 +2100,7 @@
           <p:cNvPr id="4" name="灯片编号占位符 3">
             <a:extLst>
               <a:ext uri="{FF2B5EF4-FFF2-40B4-BE49-F238E27FC236}">
-                <a16:creationId xmlns:a16="http://schemas.microsoft.com/office/drawing/2014/main" id="{B4395D8E-DBB9-110B-E07E-2579516D14FB}"/>
+                <a16:creationId xmlns:a16="http://schemas.microsoft.com/office/drawing/2014/main" id="{51C1AAEA-3AFC-BAB1-E620-42CE29E2F957}"/>
               </a:ext>
             </a:extLst>
           </p:cNvPr>
@@ -2116,7 +2116,7 @@
           <a:bodyPr/>
           <a:lstStyle/>
           <a:p>
-            <a:fld id="{EB315521-9136-40D3-AF0C-70FF3D39CE70}" type="slidenum">
+            <a:fld id="{DD0479E3-94B5-4E40-B6D8-965E3DADACB7}" type="slidenum">
               <a:rPr lang="zh-CN" altLang="en-US" smtClean="0"/>
               <a:t>‹#›</a:t>
             </a:fld>
@@ -2127,7 +2127,7 @@
     </p:spTree>
     <p:extLst>
       <p:ext uri="{BB962C8B-B14F-4D97-AF65-F5344CB8AC3E}">
-        <p14:creationId xmlns:p14="http://schemas.microsoft.com/office/powerpoint/2010/main" val="822389631"/>
+        <p14:creationId xmlns:p14="http://schemas.microsoft.com/office/powerpoint/2010/main" val="33932707"/>
       </p:ext>
     </p:extLst>
   </p:cSld>
@@ -2159,7 +2159,7 @@
           <p:cNvPr id="2" name="标题 1">
             <a:extLst>
               <a:ext uri="{FF2B5EF4-FFF2-40B4-BE49-F238E27FC236}">
-                <a16:creationId xmlns:a16="http://schemas.microsoft.com/office/drawing/2014/main" id="{F870826E-A682-6675-271D-10843263C3B4}"/>
+                <a16:creationId xmlns:a16="http://schemas.microsoft.com/office/drawing/2014/main" id="{B9D2B694-439B-1DCE-C03F-BF2571E19C3E}"/>
               </a:ext>
             </a:extLst>
           </p:cNvPr>
@@ -2196,7 +2196,7 @@
           <p:cNvPr id="3" name="内容占位符 2">
             <a:extLst>
               <a:ext uri="{FF2B5EF4-FFF2-40B4-BE49-F238E27FC236}">
-                <a16:creationId xmlns:a16="http://schemas.microsoft.com/office/drawing/2014/main" id="{026E25EE-E76B-0CDF-2505-AE45922DC728}"/>
+                <a16:creationId xmlns:a16="http://schemas.microsoft.com/office/drawing/2014/main" id="{839D42DD-661A-63B8-F041-6F855B3F2B75}"/>
               </a:ext>
             </a:extLst>
           </p:cNvPr>
@@ -2286,7 +2286,7 @@
           <p:cNvPr id="4" name="文本占位符 3">
             <a:extLst>
               <a:ext uri="{FF2B5EF4-FFF2-40B4-BE49-F238E27FC236}">
-                <a16:creationId xmlns:a16="http://schemas.microsoft.com/office/drawing/2014/main" id="{778971FC-2EEE-D73B-3684-0CFEA1FC0D99}"/>
+                <a16:creationId xmlns:a16="http://schemas.microsoft.com/office/drawing/2014/main" id="{DF699FFD-C271-A433-9A20-E6BD16014CC0}"/>
               </a:ext>
             </a:extLst>
           </p:cNvPr>
@@ -2357,7 +2357,7 @@
           <p:cNvPr id="5" name="日期占位符 4">
             <a:extLst>
               <a:ext uri="{FF2B5EF4-FFF2-40B4-BE49-F238E27FC236}">
-                <a16:creationId xmlns:a16="http://schemas.microsoft.com/office/drawing/2014/main" id="{7BD09270-318A-FF15-F9D0-F12C0510D51D}"/>
+                <a16:creationId xmlns:a16="http://schemas.microsoft.com/office/drawing/2014/main" id="{67D80FE3-5CCB-BCAD-4355-64F8409E2CE7}"/>
               </a:ext>
             </a:extLst>
           </p:cNvPr>
@@ -2373,7 +2373,7 @@
           <a:bodyPr/>
           <a:lstStyle/>
           <a:p>
-            <a:fld id="{6400B7BF-30C2-46D0-A51F-DCB9D809FFE0}" type="datetimeFigureOut">
+            <a:fld id="{5F7A0320-65F8-407F-A2E0-C1D694031AD0}" type="datetimeFigureOut">
               <a:rPr lang="zh-CN" altLang="en-US" smtClean="0"/>
               <a:t>2024/3/10</a:t>
             </a:fld>
@@ -2386,7 +2386,7 @@
           <p:cNvPr id="6" name="页脚占位符 5">
             <a:extLst>
               <a:ext uri="{FF2B5EF4-FFF2-40B4-BE49-F238E27FC236}">
-                <a16:creationId xmlns:a16="http://schemas.microsoft.com/office/drawing/2014/main" id="{36AA3E4E-9EF6-A778-7CF0-8ECB35DEA777}"/>
+                <a16:creationId xmlns:a16="http://schemas.microsoft.com/office/drawing/2014/main" id="{5141DC76-F89D-725E-4684-A7EAA8CA269D}"/>
               </a:ext>
             </a:extLst>
           </p:cNvPr>
@@ -2411,7 +2411,7 @@
           <p:cNvPr id="7" name="灯片编号占位符 6">
             <a:extLst>
               <a:ext uri="{FF2B5EF4-FFF2-40B4-BE49-F238E27FC236}">
-                <a16:creationId xmlns:a16="http://schemas.microsoft.com/office/drawing/2014/main" id="{99BBDDDD-A9D0-AC59-B160-36BED50AC05D}"/>
+                <a16:creationId xmlns:a16="http://schemas.microsoft.com/office/drawing/2014/main" id="{4DEC2F73-5894-03A5-1B82-F0CED3BF8A37}"/>
               </a:ext>
             </a:extLst>
           </p:cNvPr>
@@ -2427,7 +2427,7 @@
           <a:bodyPr/>
           <a:lstStyle/>
           <a:p>
-            <a:fld id="{EB315521-9136-40D3-AF0C-70FF3D39CE70}" type="slidenum">
+            <a:fld id="{DD0479E3-94B5-4E40-B6D8-965E3DADACB7}" type="slidenum">
               <a:rPr lang="zh-CN" altLang="en-US" smtClean="0"/>
               <a:t>‹#›</a:t>
             </a:fld>
@@ -2438,7 +2438,7 @@
     </p:spTree>
     <p:extLst>
       <p:ext uri="{BB962C8B-B14F-4D97-AF65-F5344CB8AC3E}">
-        <p14:creationId xmlns:p14="http://schemas.microsoft.com/office/powerpoint/2010/main" val="504540870"/>
+        <p14:creationId xmlns:p14="http://schemas.microsoft.com/office/powerpoint/2010/main" val="827533246"/>
       </p:ext>
     </p:extLst>
   </p:cSld>
@@ -2470,7 +2470,7 @@
           <p:cNvPr id="2" name="标题 1">
             <a:extLst>
               <a:ext uri="{FF2B5EF4-FFF2-40B4-BE49-F238E27FC236}">
-                <a16:creationId xmlns:a16="http://schemas.microsoft.com/office/drawing/2014/main" id="{08BF1EDA-931F-3859-9F30-AF1A3F4BD1F3}"/>
+                <a16:creationId xmlns:a16="http://schemas.microsoft.com/office/drawing/2014/main" id="{498D2669-315E-1CFB-BF9C-4E3977DD10BE}"/>
               </a:ext>
             </a:extLst>
           </p:cNvPr>
@@ -2507,7 +2507,7 @@
           <p:cNvPr id="3" name="图片占位符 2">
             <a:extLst>
               <a:ext uri="{FF2B5EF4-FFF2-40B4-BE49-F238E27FC236}">
-                <a16:creationId xmlns:a16="http://schemas.microsoft.com/office/drawing/2014/main" id="{1042570D-176F-BB13-11F7-3357BAC3FB15}"/>
+                <a16:creationId xmlns:a16="http://schemas.microsoft.com/office/drawing/2014/main" id="{A062A6E9-6824-1209-61BE-F7C0BFA84BCB}"/>
               </a:ext>
             </a:extLst>
           </p:cNvPr>
@@ -2574,7 +2574,7 @@
           <p:cNvPr id="4" name="文本占位符 3">
             <a:extLst>
               <a:ext uri="{FF2B5EF4-FFF2-40B4-BE49-F238E27FC236}">
-                <a16:creationId xmlns:a16="http://schemas.microsoft.com/office/drawing/2014/main" id="{007AE782-A7E5-674F-6110-828D7AF7B6C8}"/>
+                <a16:creationId xmlns:a16="http://schemas.microsoft.com/office/drawing/2014/main" id="{669B31F1-15BD-1EA4-CFCE-326D70034AFB}"/>
               </a:ext>
             </a:extLst>
           </p:cNvPr>
@@ -2645,7 +2645,7 @@
           <p:cNvPr id="5" name="日期占位符 4">
             <a:extLst>
               <a:ext uri="{FF2B5EF4-FFF2-40B4-BE49-F238E27FC236}">
-                <a16:creationId xmlns:a16="http://schemas.microsoft.com/office/drawing/2014/main" id="{F12C18C2-7EDE-AAB8-F996-1C3E2B40AD2C}"/>
+                <a16:creationId xmlns:a16="http://schemas.microsoft.com/office/drawing/2014/main" id="{CD1500D1-B8C2-14A2-0130-FF47208C8414}"/>
               </a:ext>
             </a:extLst>
           </p:cNvPr>
@@ -2661,7 +2661,7 @@
           <a:bodyPr/>
           <a:lstStyle/>
           <a:p>
-            <a:fld id="{6400B7BF-30C2-46D0-A51F-DCB9D809FFE0}" type="datetimeFigureOut">
+            <a:fld id="{5F7A0320-65F8-407F-A2E0-C1D694031AD0}" type="datetimeFigureOut">
               <a:rPr lang="zh-CN" altLang="en-US" smtClean="0"/>
               <a:t>2024/3/10</a:t>
             </a:fld>
@@ -2674,7 +2674,7 @@
           <p:cNvPr id="6" name="页脚占位符 5">
             <a:extLst>
               <a:ext uri="{FF2B5EF4-FFF2-40B4-BE49-F238E27FC236}">
-                <a16:creationId xmlns:a16="http://schemas.microsoft.com/office/drawing/2014/main" id="{47006DB7-F120-94A3-5D32-D1D88EC51764}"/>
+                <a16:creationId xmlns:a16="http://schemas.microsoft.com/office/drawing/2014/main" id="{40BCB8C1-97F2-9D64-D35C-81D66B8D594E}"/>
               </a:ext>
             </a:extLst>
           </p:cNvPr>
@@ -2699,7 +2699,7 @@
           <p:cNvPr id="7" name="灯片编号占位符 6">
             <a:extLst>
               <a:ext uri="{FF2B5EF4-FFF2-40B4-BE49-F238E27FC236}">
-                <a16:creationId xmlns:a16="http://schemas.microsoft.com/office/drawing/2014/main" id="{839F3A08-7ABF-3C2E-C0F5-0CFFD68532DB}"/>
+                <a16:creationId xmlns:a16="http://schemas.microsoft.com/office/drawing/2014/main" id="{0AD7FE94-0ED8-A1CF-41B5-99325EBBBF51}"/>
               </a:ext>
             </a:extLst>
           </p:cNvPr>
@@ -2715,7 +2715,7 @@
           <a:bodyPr/>
           <a:lstStyle/>
           <a:p>
-            <a:fld id="{EB315521-9136-40D3-AF0C-70FF3D39CE70}" type="slidenum">
+            <a:fld id="{DD0479E3-94B5-4E40-B6D8-965E3DADACB7}" type="slidenum">
               <a:rPr lang="zh-CN" altLang="en-US" smtClean="0"/>
               <a:t>‹#›</a:t>
             </a:fld>
@@ -2726,7 +2726,7 @@
     </p:spTree>
     <p:extLst>
       <p:ext uri="{BB962C8B-B14F-4D97-AF65-F5344CB8AC3E}">
-        <p14:creationId xmlns:p14="http://schemas.microsoft.com/office/powerpoint/2010/main" val="3535595489"/>
+        <p14:creationId xmlns:p14="http://schemas.microsoft.com/office/powerpoint/2010/main" val="1667756909"/>
       </p:ext>
     </p:extLst>
   </p:cSld>
@@ -2763,7 +2763,7 @@
           <p:cNvPr id="2" name="标题占位符 1">
             <a:extLst>
               <a:ext uri="{FF2B5EF4-FFF2-40B4-BE49-F238E27FC236}">
-                <a16:creationId xmlns:a16="http://schemas.microsoft.com/office/drawing/2014/main" id="{8C6939B9-5B38-5C23-B68B-50945D88B8F7}"/>
+                <a16:creationId xmlns:a16="http://schemas.microsoft.com/office/drawing/2014/main" id="{182463D1-94A5-7609-169B-C1A463D89A85}"/>
               </a:ext>
             </a:extLst>
           </p:cNvPr>
@@ -2801,7 +2801,7 @@
           <p:cNvPr id="3" name="文本占位符 2">
             <a:extLst>
               <a:ext uri="{FF2B5EF4-FFF2-40B4-BE49-F238E27FC236}">
-                <a16:creationId xmlns:a16="http://schemas.microsoft.com/office/drawing/2014/main" id="{3E60C320-5370-2F20-DD67-2DB5828D7993}"/>
+                <a16:creationId xmlns:a16="http://schemas.microsoft.com/office/drawing/2014/main" id="{E8BF1AE8-B7AD-ED3A-3AF2-3FB1FB73E253}"/>
               </a:ext>
             </a:extLst>
           </p:cNvPr>
@@ -2868,7 +2868,7 @@
           <p:cNvPr id="4" name="日期占位符 3">
             <a:extLst>
               <a:ext uri="{FF2B5EF4-FFF2-40B4-BE49-F238E27FC236}">
-                <a16:creationId xmlns:a16="http://schemas.microsoft.com/office/drawing/2014/main" id="{8EF76F55-8A90-C2A0-76BF-7B9DD6D7E0A1}"/>
+                <a16:creationId xmlns:a16="http://schemas.microsoft.com/office/drawing/2014/main" id="{A341B901-431E-D1D4-8F9A-5F381196FA97}"/>
               </a:ext>
             </a:extLst>
           </p:cNvPr>
@@ -2902,7 +2902,7 @@
             </a:lvl1pPr>
           </a:lstStyle>
           <a:p>
-            <a:fld id="{6400B7BF-30C2-46D0-A51F-DCB9D809FFE0}" type="datetimeFigureOut">
+            <a:fld id="{5F7A0320-65F8-407F-A2E0-C1D694031AD0}" type="datetimeFigureOut">
               <a:rPr lang="zh-CN" altLang="en-US" smtClean="0"/>
               <a:t>2024/3/10</a:t>
             </a:fld>
@@ -2915,7 +2915,7 @@
           <p:cNvPr id="5" name="页脚占位符 4">
             <a:extLst>
               <a:ext uri="{FF2B5EF4-FFF2-40B4-BE49-F238E27FC236}">
-                <a16:creationId xmlns:a16="http://schemas.microsoft.com/office/drawing/2014/main" id="{5C73C128-BA08-FA17-82B9-DD8A2545AB2D}"/>
+                <a16:creationId xmlns:a16="http://schemas.microsoft.com/office/drawing/2014/main" id="{737158FB-E76D-9DD6-4401-A0340CFE8CD4}"/>
               </a:ext>
             </a:extLst>
           </p:cNvPr>
@@ -2958,7 +2958,7 @@
           <p:cNvPr id="6" name="灯片编号占位符 5">
             <a:extLst>
               <a:ext uri="{FF2B5EF4-FFF2-40B4-BE49-F238E27FC236}">
-                <a16:creationId xmlns:a16="http://schemas.microsoft.com/office/drawing/2014/main" id="{C3AA91DA-40E7-9D5E-7E70-A26EC127EB8B}"/>
+                <a16:creationId xmlns:a16="http://schemas.microsoft.com/office/drawing/2014/main" id="{DAA1FCBD-DA67-85C6-C706-7CCFD1922E8A}"/>
               </a:ext>
             </a:extLst>
           </p:cNvPr>
@@ -2992,7 +2992,7 @@
             </a:lvl1pPr>
           </a:lstStyle>
           <a:p>
-            <a:fld id="{EB315521-9136-40D3-AF0C-70FF3D39CE70}" type="slidenum">
+            <a:fld id="{DD0479E3-94B5-4E40-B6D8-965E3DADACB7}" type="slidenum">
               <a:rPr lang="zh-CN" altLang="en-US" smtClean="0"/>
               <a:t>‹#›</a:t>
             </a:fld>
@@ -3003,7 +3003,7 @@
     </p:spTree>
     <p:extLst>
       <p:ext uri="{BB962C8B-B14F-4D97-AF65-F5344CB8AC3E}">
-        <p14:creationId xmlns:p14="http://schemas.microsoft.com/office/powerpoint/2010/main" val="2293467379"/>
+        <p14:creationId xmlns:p14="http://schemas.microsoft.com/office/powerpoint/2010/main" val="109017940"/>
       </p:ext>
     </p:extLst>
   </p:cSld>
